--- a/pics/2021-12-20-positive_definite/pics.pptx
+++ b/pics/2021-12-20-positive_definite/pics.pptx
@@ -7,6 +7,7 @@
   <p:sldIdLst>
     <p:sldId id="257" r:id="rId2"/>
     <p:sldId id="256" r:id="rId3"/>
+    <p:sldId id="258" r:id="rId4"/>
   </p:sldIdLst>
   <p:sldSz cx="9144000" cy="6858000" type="screen4x3"/>
   <p:notesSz cx="6858000" cy="9144000"/>
@@ -3390,8 +3391,8 @@
             </a:fontRef>
           </p:style>
         </p:cxnSp>
-        <mc:AlternateContent xmlns:mc="http://schemas.openxmlformats.org/markup-compatibility/2006">
-          <mc:Choice xmlns:a14="http://schemas.microsoft.com/office/drawing/2010/main" Requires="a14">
+        <mc:AlternateContent xmlns:mc="http://schemas.openxmlformats.org/markup-compatibility/2006" xmlns:a14="http://schemas.microsoft.com/office/drawing/2010/main">
+          <mc:Choice Requires="a14">
             <p:sp>
               <p:nvSpPr>
                 <p:cNvPr id="20" name="TextBox 19"/>
@@ -3414,6 +3415,7 @@
                 </a:bodyPr>
                 <a:lstStyle/>
                 <a:p>
+                  <a:pPr/>
                   <a14:m>
                     <m:oMathPara xmlns:m="http://schemas.openxmlformats.org/officeDocument/2006/math">
                       <m:oMathParaPr>
@@ -3452,7 +3454,7 @@
               </p:txBody>
             </p:sp>
           </mc:Choice>
-          <mc:Fallback>
+          <mc:Fallback xmlns="">
             <p:sp>
               <p:nvSpPr>
                 <p:cNvPr id="20" name="TextBox 19"/>
@@ -3491,8 +3493,8 @@
             </p:sp>
           </mc:Fallback>
         </mc:AlternateContent>
-        <mc:AlternateContent xmlns:mc="http://schemas.openxmlformats.org/markup-compatibility/2006">
-          <mc:Choice xmlns:a14="http://schemas.microsoft.com/office/drawing/2010/main" Requires="a14">
+        <mc:AlternateContent xmlns:mc="http://schemas.openxmlformats.org/markup-compatibility/2006" xmlns:a14="http://schemas.microsoft.com/office/drawing/2010/main">
+          <mc:Choice Requires="a14">
             <p:sp>
               <p:nvSpPr>
                 <p:cNvPr id="21" name="TextBox 20"/>
@@ -3515,6 +3517,7 @@
                 </a:bodyPr>
                 <a:lstStyle/>
                 <a:p>
+                  <a:pPr/>
                   <a14:m>
                     <m:oMathPara xmlns:m="http://schemas.openxmlformats.org/officeDocument/2006/math">
                       <m:oMathParaPr>
@@ -3553,7 +3556,7 @@
               </p:txBody>
             </p:sp>
           </mc:Choice>
-          <mc:Fallback>
+          <mc:Fallback xmlns="">
             <p:sp>
               <p:nvSpPr>
                 <p:cNvPr id="21" name="TextBox 20"/>
@@ -3711,8 +3714,8 @@
             </a:fontRef>
           </p:style>
         </p:cxnSp>
-        <mc:AlternateContent xmlns:mc="http://schemas.openxmlformats.org/markup-compatibility/2006">
-          <mc:Choice xmlns:a14="http://schemas.microsoft.com/office/drawing/2010/main" Requires="a14">
+        <mc:AlternateContent xmlns:mc="http://schemas.openxmlformats.org/markup-compatibility/2006" xmlns:a14="http://schemas.microsoft.com/office/drawing/2010/main">
+          <mc:Choice Requires="a14">
             <p:sp>
               <p:nvSpPr>
                 <p:cNvPr id="15" name="TextBox 14"/>
@@ -3735,6 +3738,7 @@
                 </a:bodyPr>
                 <a:lstStyle/>
                 <a:p>
+                  <a:pPr/>
                   <a14:m>
                     <m:oMathPara xmlns:m="http://schemas.openxmlformats.org/officeDocument/2006/math">
                       <m:oMathParaPr>
@@ -3773,7 +3777,7 @@
               </p:txBody>
             </p:sp>
           </mc:Choice>
-          <mc:Fallback>
+          <mc:Fallback xmlns="">
             <p:sp>
               <p:nvSpPr>
                 <p:cNvPr id="15" name="TextBox 14"/>
@@ -3812,8 +3816,8 @@
             </p:sp>
           </mc:Fallback>
         </mc:AlternateContent>
-        <mc:AlternateContent xmlns:mc="http://schemas.openxmlformats.org/markup-compatibility/2006">
-          <mc:Choice xmlns:a14="http://schemas.microsoft.com/office/drawing/2010/main" Requires="a14">
+        <mc:AlternateContent xmlns:mc="http://schemas.openxmlformats.org/markup-compatibility/2006" xmlns:a14="http://schemas.microsoft.com/office/drawing/2010/main">
+          <mc:Choice Requires="a14">
             <p:sp>
               <p:nvSpPr>
                 <p:cNvPr id="22" name="TextBox 21"/>
@@ -3836,6 +3840,7 @@
                 </a:bodyPr>
                 <a:lstStyle/>
                 <a:p>
+                  <a:pPr/>
                   <a14:m>
                     <m:oMathPara xmlns:m="http://schemas.openxmlformats.org/officeDocument/2006/math">
                       <m:oMathParaPr>
@@ -3863,7 +3868,7 @@
               </p:txBody>
             </p:sp>
           </mc:Choice>
-          <mc:Fallback>
+          <mc:Fallback xmlns="">
             <p:sp>
               <p:nvSpPr>
                 <p:cNvPr id="22" name="TextBox 21"/>
@@ -3902,8 +3907,8 @@
             </p:sp>
           </mc:Fallback>
         </mc:AlternateContent>
-        <mc:AlternateContent xmlns:mc="http://schemas.openxmlformats.org/markup-compatibility/2006">
-          <mc:Choice xmlns:a14="http://schemas.microsoft.com/office/drawing/2010/main" Requires="a14">
+        <mc:AlternateContent xmlns:mc="http://schemas.openxmlformats.org/markup-compatibility/2006" xmlns:a14="http://schemas.microsoft.com/office/drawing/2010/main">
+          <mc:Choice Requires="a14">
             <p:sp>
               <p:nvSpPr>
                 <p:cNvPr id="23" name="TextBox 22"/>
@@ -3926,6 +3931,7 @@
                 </a:bodyPr>
                 <a:lstStyle/>
                 <a:p>
+                  <a:pPr/>
                   <a14:m>
                     <m:oMathPara xmlns:m="http://schemas.openxmlformats.org/officeDocument/2006/math">
                       <m:oMathParaPr>
@@ -3953,7 +3959,7 @@
               </p:txBody>
             </p:sp>
           </mc:Choice>
-          <mc:Fallback>
+          <mc:Fallback xmlns="">
             <p:sp>
               <p:nvSpPr>
                 <p:cNvPr id="23" name="TextBox 22"/>
@@ -3992,8 +3998,8 @@
             </p:sp>
           </mc:Fallback>
         </mc:AlternateContent>
-        <mc:AlternateContent xmlns:mc="http://schemas.openxmlformats.org/markup-compatibility/2006">
-          <mc:Choice xmlns:a14="http://schemas.microsoft.com/office/drawing/2010/main" Requires="a14">
+        <mc:AlternateContent xmlns:mc="http://schemas.openxmlformats.org/markup-compatibility/2006" xmlns:a14="http://schemas.microsoft.com/office/drawing/2010/main">
+          <mc:Choice Requires="a14">
             <p:sp>
               <p:nvSpPr>
                 <p:cNvPr id="24" name="TextBox 23"/>
@@ -4016,6 +4022,7 @@
                 </a:bodyPr>
                 <a:lstStyle/>
                 <a:p>
+                  <a:pPr/>
                   <a14:m>
                     <m:oMathPara xmlns:m="http://schemas.openxmlformats.org/officeDocument/2006/math">
                       <m:oMathParaPr>
@@ -4043,7 +4050,7 @@
               </p:txBody>
             </p:sp>
           </mc:Choice>
-          <mc:Fallback>
+          <mc:Fallback xmlns="">
             <p:sp>
               <p:nvSpPr>
                 <p:cNvPr id="24" name="TextBox 23"/>
@@ -4082,8 +4089,8 @@
             </p:sp>
           </mc:Fallback>
         </mc:AlternateContent>
-        <mc:AlternateContent xmlns:mc="http://schemas.openxmlformats.org/markup-compatibility/2006">
-          <mc:Choice xmlns:a14="http://schemas.microsoft.com/office/drawing/2010/main" Requires="a14">
+        <mc:AlternateContent xmlns:mc="http://schemas.openxmlformats.org/markup-compatibility/2006" xmlns:a14="http://schemas.microsoft.com/office/drawing/2010/main">
+          <mc:Choice Requires="a14">
             <p:sp>
               <p:nvSpPr>
                 <p:cNvPr id="25" name="TextBox 24"/>
@@ -4106,6 +4113,7 @@
                 </a:bodyPr>
                 <a:lstStyle/>
                 <a:p>
+                  <a:pPr/>
                   <a14:m>
                     <m:oMathPara xmlns:m="http://schemas.openxmlformats.org/officeDocument/2006/math">
                       <m:oMathParaPr>
@@ -4133,7 +4141,7 @@
               </p:txBody>
             </p:sp>
           </mc:Choice>
-          <mc:Fallback>
+          <mc:Fallback xmlns="">
             <p:sp>
               <p:nvSpPr>
                 <p:cNvPr id="25" name="TextBox 24"/>
@@ -4172,8 +4180,8 @@
             </p:sp>
           </mc:Fallback>
         </mc:AlternateContent>
-        <mc:AlternateContent xmlns:mc="http://schemas.openxmlformats.org/markup-compatibility/2006">
-          <mc:Choice xmlns:a14="http://schemas.microsoft.com/office/drawing/2010/main" Requires="a14">
+        <mc:AlternateContent xmlns:mc="http://schemas.openxmlformats.org/markup-compatibility/2006" xmlns:a14="http://schemas.microsoft.com/office/drawing/2010/main">
+          <mc:Choice Requires="a14">
             <p:sp>
               <p:nvSpPr>
                 <p:cNvPr id="27" name="TextBox 26"/>
@@ -4196,6 +4204,7 @@
                 </a:bodyPr>
                 <a:lstStyle/>
                 <a:p>
+                  <a:pPr/>
                   <a14:m>
                     <m:oMathPara xmlns:m="http://schemas.openxmlformats.org/officeDocument/2006/math">
                       <m:oMathParaPr>
@@ -4223,7 +4232,7 @@
               </p:txBody>
             </p:sp>
           </mc:Choice>
-          <mc:Fallback>
+          <mc:Fallback xmlns="">
             <p:sp>
               <p:nvSpPr>
                 <p:cNvPr id="27" name="TextBox 26"/>
@@ -4262,8 +4271,8 @@
             </p:sp>
           </mc:Fallback>
         </mc:AlternateContent>
-        <mc:AlternateContent xmlns:mc="http://schemas.openxmlformats.org/markup-compatibility/2006">
-          <mc:Choice xmlns:a14="http://schemas.microsoft.com/office/drawing/2010/main" Requires="a14">
+        <mc:AlternateContent xmlns:mc="http://schemas.openxmlformats.org/markup-compatibility/2006" xmlns:a14="http://schemas.microsoft.com/office/drawing/2010/main">
+          <mc:Choice Requires="a14">
             <p:sp>
               <p:nvSpPr>
                 <p:cNvPr id="28" name="TextBox 27"/>
@@ -4286,6 +4295,7 @@
                 </a:bodyPr>
                 <a:lstStyle/>
                 <a:p>
+                  <a:pPr/>
                   <a14:m>
                     <m:oMathPara xmlns:m="http://schemas.openxmlformats.org/officeDocument/2006/math">
                       <m:oMathParaPr>
@@ -4313,7 +4323,7 @@
               </p:txBody>
             </p:sp>
           </mc:Choice>
-          <mc:Fallback>
+          <mc:Fallback xmlns="">
             <p:sp>
               <p:nvSpPr>
                 <p:cNvPr id="28" name="TextBox 27"/>
@@ -4739,8 +4749,8 @@
           </a:fontRef>
         </p:style>
       </p:cxnSp>
-      <mc:AlternateContent xmlns:mc="http://schemas.openxmlformats.org/markup-compatibility/2006">
-        <mc:Choice xmlns:a14="http://schemas.microsoft.com/office/drawing/2010/main" Requires="a14">
+      <mc:AlternateContent xmlns:mc="http://schemas.openxmlformats.org/markup-compatibility/2006" xmlns:a14="http://schemas.microsoft.com/office/drawing/2010/main">
+        <mc:Choice Requires="a14">
           <p:sp>
             <p:nvSpPr>
               <p:cNvPr id="13" name="TextBox 12"/>
@@ -4802,7 +4812,7 @@
             </p:txBody>
           </p:sp>
         </mc:Choice>
-        <mc:Fallback>
+        <mc:Fallback xmlns="">
           <p:sp>
             <p:nvSpPr>
               <p:cNvPr id="13" name="TextBox 12"/>
@@ -4841,8 +4851,8 @@
           </p:sp>
         </mc:Fallback>
       </mc:AlternateContent>
-      <mc:AlternateContent xmlns:mc="http://schemas.openxmlformats.org/markup-compatibility/2006">
-        <mc:Choice xmlns:a14="http://schemas.microsoft.com/office/drawing/2010/main" Requires="a14">
+      <mc:AlternateContent xmlns:mc="http://schemas.openxmlformats.org/markup-compatibility/2006" xmlns:a14="http://schemas.microsoft.com/office/drawing/2010/main">
+        <mc:Choice Requires="a14">
           <p:sp>
             <p:nvSpPr>
               <p:cNvPr id="15" name="TextBox 14"/>
@@ -4904,7 +4914,7 @@
             </p:txBody>
           </p:sp>
         </mc:Choice>
-        <mc:Fallback>
+        <mc:Fallback xmlns="">
           <p:sp>
             <p:nvSpPr>
               <p:cNvPr id="15" name="TextBox 14"/>
@@ -4943,8 +4953,8 @@
           </p:sp>
         </mc:Fallback>
       </mc:AlternateContent>
-      <mc:AlternateContent xmlns:mc="http://schemas.openxmlformats.org/markup-compatibility/2006">
-        <mc:Choice xmlns:a14="http://schemas.microsoft.com/office/drawing/2010/main" Requires="a14">
+      <mc:AlternateContent xmlns:mc="http://schemas.openxmlformats.org/markup-compatibility/2006" xmlns:a14="http://schemas.microsoft.com/office/drawing/2010/main">
+        <mc:Choice Requires="a14">
           <p:sp>
             <p:nvSpPr>
               <p:cNvPr id="16" name="TextBox 15"/>
@@ -5006,7 +5016,7 @@
             </p:txBody>
           </p:sp>
         </mc:Choice>
-        <mc:Fallback>
+        <mc:Fallback xmlns="">
           <p:sp>
             <p:nvSpPr>
               <p:cNvPr id="16" name="TextBox 15"/>
@@ -5045,8 +5055,8 @@
           </p:sp>
         </mc:Fallback>
       </mc:AlternateContent>
-      <mc:AlternateContent xmlns:mc="http://schemas.openxmlformats.org/markup-compatibility/2006">
-        <mc:Choice xmlns:a14="http://schemas.microsoft.com/office/drawing/2010/main" Requires="a14">
+      <mc:AlternateContent xmlns:mc="http://schemas.openxmlformats.org/markup-compatibility/2006" xmlns:a14="http://schemas.microsoft.com/office/drawing/2010/main">
+        <mc:Choice Requires="a14">
           <p:sp>
             <p:nvSpPr>
               <p:cNvPr id="47" name="직사각형 46"/>
@@ -5089,7 +5099,7 @@
             </p:txBody>
           </p:sp>
         </mc:Choice>
-        <mc:Fallback>
+        <mc:Fallback xmlns="">
           <p:sp>
             <p:nvSpPr>
               <p:cNvPr id="47" name="직사각형 46"/>
@@ -5284,6 +5294,179 @@
     <p:extLst>
       <p:ext uri="{BB962C8B-B14F-4D97-AF65-F5344CB8AC3E}">
         <p14:creationId xmlns:p14="http://schemas.microsoft.com/office/powerpoint/2010/main" val="1835143121"/>
+      </p:ext>
+    </p:extLst>
+  </p:cSld>
+  <p:clrMapOvr>
+    <a:masterClrMapping/>
+  </p:clrMapOvr>
+</p:sld>
+</file>
+
+<file path=ppt/slides/slide3.xml><?xml version="1.0" encoding="utf-8"?>
+<p:sld xmlns:a="http://schemas.openxmlformats.org/drawingml/2006/main" xmlns:r="http://schemas.openxmlformats.org/officeDocument/2006/relationships" xmlns:p="http://schemas.openxmlformats.org/presentationml/2006/main">
+  <p:cSld>
+    <p:spTree>
+      <p:nvGrpSpPr>
+        <p:cNvPr id="1" name=""/>
+        <p:cNvGrpSpPr/>
+        <p:nvPr/>
+      </p:nvGrpSpPr>
+      <p:grpSpPr>
+        <a:xfrm>
+          <a:off x="0" y="0"/>
+          <a:ext cx="0" cy="0"/>
+          <a:chOff x="0" y="0"/>
+          <a:chExt cx="0" cy="0"/>
+        </a:xfrm>
+      </p:grpSpPr>
+      <p:grpSp>
+        <p:nvGrpSpPr>
+          <p:cNvPr id="4" name="그룹 3"/>
+          <p:cNvGrpSpPr/>
+          <p:nvPr/>
+        </p:nvGrpSpPr>
+        <p:grpSpPr>
+          <a:xfrm>
+            <a:off x="2267293" y="630574"/>
+            <a:ext cx="4608964" cy="5550202"/>
+            <a:chOff x="761549" y="1143000"/>
+            <a:chExt cx="7620451" cy="9176692"/>
+          </a:xfrm>
+        </p:grpSpPr>
+        <p:pic>
+          <p:nvPicPr>
+            <p:cNvPr id="1026" name="Picture 2"/>
+            <p:cNvPicPr>
+              <a:picLocks noChangeAspect="1" noChangeArrowheads="1"/>
+            </p:cNvPicPr>
+            <p:nvPr/>
+          </p:nvPicPr>
+          <p:blipFill>
+            <a:blip r:embed="rId2">
+              <a:extLst>
+                <a:ext uri="{28A0092B-C50C-407E-A947-70E740481C1C}">
+                  <a14:useLocalDpi xmlns:a14="http://schemas.microsoft.com/office/drawing/2010/main" val="0"/>
+                </a:ext>
+              </a:extLst>
+            </a:blip>
+            <a:srcRect/>
+            <a:stretch>
+              <a:fillRect/>
+            </a:stretch>
+          </p:blipFill>
+          <p:spPr bwMode="auto">
+            <a:xfrm>
+              <a:off x="762000" y="1143000"/>
+              <a:ext cx="7620000" cy="4572000"/>
+            </a:xfrm>
+            <a:prstGeom prst="rect">
+              <a:avLst/>
+            </a:prstGeom>
+            <a:noFill/>
+            <a:ln>
+              <a:noFill/>
+            </a:ln>
+            <a:effectLst/>
+            <a:extLst>
+              <a:ext uri="{909E8E84-426E-40DD-AFC4-6F175D3DCCD1}">
+                <a14:hiddenFill xmlns:a14="http://schemas.microsoft.com/office/drawing/2010/main">
+                  <a:solidFill>
+                    <a:schemeClr val="accent1"/>
+                  </a:solidFill>
+                </a14:hiddenFill>
+              </a:ext>
+              <a:ext uri="{91240B29-F687-4F45-9708-019B960494DF}">
+                <a14:hiddenLine xmlns:a14="http://schemas.microsoft.com/office/drawing/2010/main" w="9525">
+                  <a:solidFill>
+                    <a:schemeClr val="tx1"/>
+                  </a:solidFill>
+                  <a:miter lim="800000"/>
+                  <a:headEnd/>
+                  <a:tailEnd/>
+                </a14:hiddenLine>
+              </a:ext>
+              <a:ext uri="{AF507438-7753-43E0-B8FC-AC1667EBCBE1}">
+                <a14:hiddenEffects xmlns:a14="http://schemas.microsoft.com/office/drawing/2010/main">
+                  <a:effectLst>
+                    <a:outerShdw dist="35921" dir="2700000" algn="ctr" rotWithShape="0">
+                      <a:schemeClr val="bg2"/>
+                    </a:outerShdw>
+                  </a:effectLst>
+                </a14:hiddenEffects>
+              </a:ext>
+            </a:extLst>
+          </p:spPr>
+        </p:pic>
+        <p:pic>
+          <p:nvPicPr>
+            <p:cNvPr id="1027" name="Picture 3"/>
+            <p:cNvPicPr>
+              <a:picLocks noChangeAspect="1" noChangeArrowheads="1"/>
+            </p:cNvPicPr>
+            <p:nvPr/>
+          </p:nvPicPr>
+          <p:blipFill>
+            <a:blip r:embed="rId3">
+              <a:extLst>
+                <a:ext uri="{28A0092B-C50C-407E-A947-70E740481C1C}">
+                  <a14:useLocalDpi xmlns:a14="http://schemas.microsoft.com/office/drawing/2010/main" val="0"/>
+                </a:ext>
+              </a:extLst>
+            </a:blip>
+            <a:srcRect/>
+            <a:stretch>
+              <a:fillRect/>
+            </a:stretch>
+          </p:blipFill>
+          <p:spPr bwMode="auto">
+            <a:xfrm>
+              <a:off x="761549" y="5747692"/>
+              <a:ext cx="7610475" cy="4572000"/>
+            </a:xfrm>
+            <a:prstGeom prst="rect">
+              <a:avLst/>
+            </a:prstGeom>
+            <a:noFill/>
+            <a:ln>
+              <a:noFill/>
+            </a:ln>
+            <a:effectLst/>
+            <a:extLst>
+              <a:ext uri="{909E8E84-426E-40DD-AFC4-6F175D3DCCD1}">
+                <a14:hiddenFill xmlns:a14="http://schemas.microsoft.com/office/drawing/2010/main">
+                  <a:solidFill>
+                    <a:schemeClr val="accent1"/>
+                  </a:solidFill>
+                </a14:hiddenFill>
+              </a:ext>
+              <a:ext uri="{91240B29-F687-4F45-9708-019B960494DF}">
+                <a14:hiddenLine xmlns:a14="http://schemas.microsoft.com/office/drawing/2010/main" w="9525">
+                  <a:solidFill>
+                    <a:schemeClr val="tx1"/>
+                  </a:solidFill>
+                  <a:miter lim="800000"/>
+                  <a:headEnd/>
+                  <a:tailEnd/>
+                </a14:hiddenLine>
+              </a:ext>
+              <a:ext uri="{AF507438-7753-43E0-B8FC-AC1667EBCBE1}">
+                <a14:hiddenEffects xmlns:a14="http://schemas.microsoft.com/office/drawing/2010/main">
+                  <a:effectLst>
+                    <a:outerShdw dist="35921" dir="2700000" algn="ctr" rotWithShape="0">
+                      <a:schemeClr val="bg2"/>
+                    </a:outerShdw>
+                  </a:effectLst>
+                </a14:hiddenEffects>
+              </a:ext>
+            </a:extLst>
+          </p:spPr>
+        </p:pic>
+      </p:grpSp>
+    </p:spTree>
+    <p:extLst>
+      <p:ext uri="{BB962C8B-B14F-4D97-AF65-F5344CB8AC3E}">
+        <p14:creationId xmlns:p14="http://schemas.microsoft.com/office/powerpoint/2010/main" val="2392729965"/>
       </p:ext>
     </p:extLst>
   </p:cSld>

--- a/pics/2021-12-20-positive_definite/pics.pptx
+++ b/pics/2021-12-20-positive_definite/pics.pptx
@@ -7,7 +7,9 @@
   <p:sldIdLst>
     <p:sldId id="257" r:id="rId2"/>
     <p:sldId id="256" r:id="rId3"/>
-    <p:sldId id="258" r:id="rId4"/>
+    <p:sldId id="259" r:id="rId4"/>
+    <p:sldId id="258" r:id="rId5"/>
+    <p:sldId id="260" r:id="rId6"/>
   </p:sldIdLst>
   <p:sldSz cx="9144000" cy="6858000" type="screen4x3"/>
   <p:notesSz cx="6858000" cy="9144000"/>
@@ -106,6 +108,22 @@
       </a:defRPr>
     </a:lvl9pPr>
   </p:defaultTextStyle>
+  <p:extLst>
+    <p:ext uri="{EFAFB233-063F-42B5-8137-9DF3F51BA10A}">
+      <p15:sldGuideLst xmlns:p15="http://schemas.microsoft.com/office/powerpoint/2012/main">
+        <p15:guide id="1" orient="horz" pos="2160">
+          <p15:clr>
+            <a:srgbClr val="A4A3A4"/>
+          </p15:clr>
+        </p15:guide>
+        <p15:guide id="2" pos="2880">
+          <p15:clr>
+            <a:srgbClr val="A4A3A4"/>
+          </p15:clr>
+        </p15:guide>
+      </p15:sldGuideLst>
+    </p:ext>
+  </p:extLst>
 </p:presentation>
 </file>
 
@@ -147,10 +165,9 @@
           <a:lstStyle/>
           <a:p>
             <a:r>
-              <a:rPr lang="ko-KR" altLang="en-US" smtClean="0"/>
+              <a:rPr lang="ko-KR" altLang="en-US"/>
               <a:t>마스터 제목 스타일 편집</a:t>
             </a:r>
-            <a:endParaRPr lang="ko-KR" altLang="en-US"/>
           </a:p>
         </p:txBody>
       </p:sp>
@@ -266,10 +283,9 @@
           </a:lstStyle>
           <a:p>
             <a:r>
-              <a:rPr lang="ko-KR" altLang="en-US" smtClean="0"/>
+              <a:rPr lang="ko-KR" altLang="en-US"/>
               <a:t>마스터 부제목 스타일 편집</a:t>
             </a:r>
-            <a:endParaRPr lang="ko-KR" altLang="en-US"/>
           </a:p>
         </p:txBody>
       </p:sp>
@@ -290,7 +306,7 @@
           <a:p>
             <a:fld id="{BDA21957-72B6-46B2-9BA5-4A1C77D2A252}" type="datetimeFigureOut">
               <a:rPr lang="ko-KR" altLang="en-US" smtClean="0"/>
-              <a:t>2021-12-21</a:t>
+              <a:t>2023-05-13</a:t>
             </a:fld>
             <a:endParaRPr lang="ko-KR" altLang="en-US"/>
           </a:p>
@@ -384,10 +400,9 @@
           <a:lstStyle/>
           <a:p>
             <a:r>
-              <a:rPr lang="ko-KR" altLang="en-US" smtClean="0"/>
+              <a:rPr lang="ko-KR" altLang="en-US"/>
               <a:t>마스터 제목 스타일 편집</a:t>
             </a:r>
-            <a:endParaRPr lang="ko-KR" altLang="en-US"/>
           </a:p>
         </p:txBody>
       </p:sp>
@@ -408,38 +423,37 @@
           <a:p>
             <a:pPr lvl="0"/>
             <a:r>
-              <a:rPr lang="ko-KR" altLang="en-US" smtClean="0"/>
+              <a:rPr lang="ko-KR" altLang="en-US"/>
               <a:t>마스터 텍스트 스타일을 편집합니다</a:t>
             </a:r>
           </a:p>
           <a:p>
             <a:pPr lvl="1"/>
             <a:r>
-              <a:rPr lang="ko-KR" altLang="en-US" smtClean="0"/>
+              <a:rPr lang="ko-KR" altLang="en-US"/>
               <a:t>둘째 수준</a:t>
             </a:r>
           </a:p>
           <a:p>
             <a:pPr lvl="2"/>
             <a:r>
-              <a:rPr lang="ko-KR" altLang="en-US" smtClean="0"/>
+              <a:rPr lang="ko-KR" altLang="en-US"/>
               <a:t>셋째 수준</a:t>
             </a:r>
           </a:p>
           <a:p>
             <a:pPr lvl="3"/>
             <a:r>
-              <a:rPr lang="ko-KR" altLang="en-US" smtClean="0"/>
+              <a:rPr lang="ko-KR" altLang="en-US"/>
               <a:t>넷째 수준</a:t>
             </a:r>
           </a:p>
           <a:p>
             <a:pPr lvl="4"/>
             <a:r>
-              <a:rPr lang="ko-KR" altLang="en-US" smtClean="0"/>
+              <a:rPr lang="ko-KR" altLang="en-US"/>
               <a:t>다섯째 수준</a:t>
             </a:r>
-            <a:endParaRPr lang="ko-KR" altLang="en-US"/>
           </a:p>
         </p:txBody>
       </p:sp>
@@ -460,7 +474,7 @@
           <a:p>
             <a:fld id="{BDA21957-72B6-46B2-9BA5-4A1C77D2A252}" type="datetimeFigureOut">
               <a:rPr lang="ko-KR" altLang="en-US" smtClean="0"/>
-              <a:t>2021-12-21</a:t>
+              <a:t>2023-05-13</a:t>
             </a:fld>
             <a:endParaRPr lang="ko-KR" altLang="en-US"/>
           </a:p>
@@ -559,10 +573,9 @@
           <a:lstStyle/>
           <a:p>
             <a:r>
-              <a:rPr lang="ko-KR" altLang="en-US" smtClean="0"/>
+              <a:rPr lang="ko-KR" altLang="en-US"/>
               <a:t>마스터 제목 스타일 편집</a:t>
             </a:r>
-            <a:endParaRPr lang="ko-KR" altLang="en-US"/>
           </a:p>
         </p:txBody>
       </p:sp>
@@ -588,38 +601,37 @@
           <a:p>
             <a:pPr lvl="0"/>
             <a:r>
-              <a:rPr lang="ko-KR" altLang="en-US" smtClean="0"/>
+              <a:rPr lang="ko-KR" altLang="en-US"/>
               <a:t>마스터 텍스트 스타일을 편집합니다</a:t>
             </a:r>
           </a:p>
           <a:p>
             <a:pPr lvl="1"/>
             <a:r>
-              <a:rPr lang="ko-KR" altLang="en-US" smtClean="0"/>
+              <a:rPr lang="ko-KR" altLang="en-US"/>
               <a:t>둘째 수준</a:t>
             </a:r>
           </a:p>
           <a:p>
             <a:pPr lvl="2"/>
             <a:r>
-              <a:rPr lang="ko-KR" altLang="en-US" smtClean="0"/>
+              <a:rPr lang="ko-KR" altLang="en-US"/>
               <a:t>셋째 수준</a:t>
             </a:r>
           </a:p>
           <a:p>
             <a:pPr lvl="3"/>
             <a:r>
-              <a:rPr lang="ko-KR" altLang="en-US" smtClean="0"/>
+              <a:rPr lang="ko-KR" altLang="en-US"/>
               <a:t>넷째 수준</a:t>
             </a:r>
           </a:p>
           <a:p>
             <a:pPr lvl="4"/>
             <a:r>
-              <a:rPr lang="ko-KR" altLang="en-US" smtClean="0"/>
+              <a:rPr lang="ko-KR" altLang="en-US"/>
               <a:t>다섯째 수준</a:t>
             </a:r>
-            <a:endParaRPr lang="ko-KR" altLang="en-US"/>
           </a:p>
         </p:txBody>
       </p:sp>
@@ -640,7 +652,7 @@
           <a:p>
             <a:fld id="{BDA21957-72B6-46B2-9BA5-4A1C77D2A252}" type="datetimeFigureOut">
               <a:rPr lang="ko-KR" altLang="en-US" smtClean="0"/>
-              <a:t>2021-12-21</a:t>
+              <a:t>2023-05-13</a:t>
             </a:fld>
             <a:endParaRPr lang="ko-KR" altLang="en-US"/>
           </a:p>
@@ -734,10 +746,9 @@
           <a:lstStyle/>
           <a:p>
             <a:r>
-              <a:rPr lang="ko-KR" altLang="en-US" smtClean="0"/>
+              <a:rPr lang="ko-KR" altLang="en-US"/>
               <a:t>마스터 제목 스타일 편집</a:t>
             </a:r>
-            <a:endParaRPr lang="ko-KR" altLang="en-US"/>
           </a:p>
         </p:txBody>
       </p:sp>
@@ -758,38 +769,37 @@
           <a:p>
             <a:pPr lvl="0"/>
             <a:r>
-              <a:rPr lang="ko-KR" altLang="en-US" smtClean="0"/>
+              <a:rPr lang="ko-KR" altLang="en-US"/>
               <a:t>마스터 텍스트 스타일을 편집합니다</a:t>
             </a:r>
           </a:p>
           <a:p>
             <a:pPr lvl="1"/>
             <a:r>
-              <a:rPr lang="ko-KR" altLang="en-US" smtClean="0"/>
+              <a:rPr lang="ko-KR" altLang="en-US"/>
               <a:t>둘째 수준</a:t>
             </a:r>
           </a:p>
           <a:p>
             <a:pPr lvl="2"/>
             <a:r>
-              <a:rPr lang="ko-KR" altLang="en-US" smtClean="0"/>
+              <a:rPr lang="ko-KR" altLang="en-US"/>
               <a:t>셋째 수준</a:t>
             </a:r>
           </a:p>
           <a:p>
             <a:pPr lvl="3"/>
             <a:r>
-              <a:rPr lang="ko-KR" altLang="en-US" smtClean="0"/>
+              <a:rPr lang="ko-KR" altLang="en-US"/>
               <a:t>넷째 수준</a:t>
             </a:r>
           </a:p>
           <a:p>
             <a:pPr lvl="4"/>
             <a:r>
-              <a:rPr lang="ko-KR" altLang="en-US" smtClean="0"/>
+              <a:rPr lang="ko-KR" altLang="en-US"/>
               <a:t>다섯째 수준</a:t>
             </a:r>
-            <a:endParaRPr lang="ko-KR" altLang="en-US"/>
           </a:p>
         </p:txBody>
       </p:sp>
@@ -810,7 +820,7 @@
           <a:p>
             <a:fld id="{BDA21957-72B6-46B2-9BA5-4A1C77D2A252}" type="datetimeFigureOut">
               <a:rPr lang="ko-KR" altLang="en-US" smtClean="0"/>
-              <a:t>2021-12-21</a:t>
+              <a:t>2023-05-13</a:t>
             </a:fld>
             <a:endParaRPr lang="ko-KR" altLang="en-US"/>
           </a:p>
@@ -913,10 +923,9 @@
           </a:lstStyle>
           <a:p>
             <a:r>
-              <a:rPr lang="ko-KR" altLang="en-US" smtClean="0"/>
+              <a:rPr lang="ko-KR" altLang="en-US"/>
               <a:t>마스터 제목 스타일 편집</a:t>
             </a:r>
-            <a:endParaRPr lang="ko-KR" altLang="en-US"/>
           </a:p>
         </p:txBody>
       </p:sp>
@@ -1033,7 +1042,7 @@
           <a:p>
             <a:pPr lvl="0"/>
             <a:r>
-              <a:rPr lang="ko-KR" altLang="en-US" smtClean="0"/>
+              <a:rPr lang="ko-KR" altLang="en-US"/>
               <a:t>마스터 텍스트 스타일을 편집합니다</a:t>
             </a:r>
           </a:p>
@@ -1056,7 +1065,7 @@
           <a:p>
             <a:fld id="{BDA21957-72B6-46B2-9BA5-4A1C77D2A252}" type="datetimeFigureOut">
               <a:rPr lang="ko-KR" altLang="en-US" smtClean="0"/>
-              <a:t>2021-12-21</a:t>
+              <a:t>2023-05-13</a:t>
             </a:fld>
             <a:endParaRPr lang="ko-KR" altLang="en-US"/>
           </a:p>
@@ -1150,10 +1159,9 @@
           <a:lstStyle/>
           <a:p>
             <a:r>
-              <a:rPr lang="ko-KR" altLang="en-US" smtClean="0"/>
+              <a:rPr lang="ko-KR" altLang="en-US"/>
               <a:t>마스터 제목 스타일 편집</a:t>
             </a:r>
-            <a:endParaRPr lang="ko-KR" altLang="en-US"/>
           </a:p>
         </p:txBody>
       </p:sp>
@@ -1207,38 +1215,37 @@
           <a:p>
             <a:pPr lvl="0"/>
             <a:r>
-              <a:rPr lang="ko-KR" altLang="en-US" smtClean="0"/>
+              <a:rPr lang="ko-KR" altLang="en-US"/>
               <a:t>마스터 텍스트 스타일을 편집합니다</a:t>
             </a:r>
           </a:p>
           <a:p>
             <a:pPr lvl="1"/>
             <a:r>
-              <a:rPr lang="ko-KR" altLang="en-US" smtClean="0"/>
+              <a:rPr lang="ko-KR" altLang="en-US"/>
               <a:t>둘째 수준</a:t>
             </a:r>
           </a:p>
           <a:p>
             <a:pPr lvl="2"/>
             <a:r>
-              <a:rPr lang="ko-KR" altLang="en-US" smtClean="0"/>
+              <a:rPr lang="ko-KR" altLang="en-US"/>
               <a:t>셋째 수준</a:t>
             </a:r>
           </a:p>
           <a:p>
             <a:pPr lvl="3"/>
             <a:r>
-              <a:rPr lang="ko-KR" altLang="en-US" smtClean="0"/>
+              <a:rPr lang="ko-KR" altLang="en-US"/>
               <a:t>넷째 수준</a:t>
             </a:r>
           </a:p>
           <a:p>
             <a:pPr lvl="4"/>
             <a:r>
-              <a:rPr lang="ko-KR" altLang="en-US" smtClean="0"/>
+              <a:rPr lang="ko-KR" altLang="en-US"/>
               <a:t>다섯째 수준</a:t>
             </a:r>
-            <a:endParaRPr lang="ko-KR" altLang="en-US"/>
           </a:p>
         </p:txBody>
       </p:sp>
@@ -1292,38 +1299,37 @@
           <a:p>
             <a:pPr lvl="0"/>
             <a:r>
-              <a:rPr lang="ko-KR" altLang="en-US" smtClean="0"/>
+              <a:rPr lang="ko-KR" altLang="en-US"/>
               <a:t>마스터 텍스트 스타일을 편집합니다</a:t>
             </a:r>
           </a:p>
           <a:p>
             <a:pPr lvl="1"/>
             <a:r>
-              <a:rPr lang="ko-KR" altLang="en-US" smtClean="0"/>
+              <a:rPr lang="ko-KR" altLang="en-US"/>
               <a:t>둘째 수준</a:t>
             </a:r>
           </a:p>
           <a:p>
             <a:pPr lvl="2"/>
             <a:r>
-              <a:rPr lang="ko-KR" altLang="en-US" smtClean="0"/>
+              <a:rPr lang="ko-KR" altLang="en-US"/>
               <a:t>셋째 수준</a:t>
             </a:r>
           </a:p>
           <a:p>
             <a:pPr lvl="3"/>
             <a:r>
-              <a:rPr lang="ko-KR" altLang="en-US" smtClean="0"/>
+              <a:rPr lang="ko-KR" altLang="en-US"/>
               <a:t>넷째 수준</a:t>
             </a:r>
           </a:p>
           <a:p>
             <a:pPr lvl="4"/>
             <a:r>
-              <a:rPr lang="ko-KR" altLang="en-US" smtClean="0"/>
+              <a:rPr lang="ko-KR" altLang="en-US"/>
               <a:t>다섯째 수준</a:t>
             </a:r>
-            <a:endParaRPr lang="ko-KR" altLang="en-US"/>
           </a:p>
         </p:txBody>
       </p:sp>
@@ -1344,7 +1350,7 @@
           <a:p>
             <a:fld id="{BDA21957-72B6-46B2-9BA5-4A1C77D2A252}" type="datetimeFigureOut">
               <a:rPr lang="ko-KR" altLang="en-US" smtClean="0"/>
-              <a:t>2021-12-21</a:t>
+              <a:t>2023-05-13</a:t>
             </a:fld>
             <a:endParaRPr lang="ko-KR" altLang="en-US"/>
           </a:p>
@@ -1442,10 +1448,9 @@
           </a:lstStyle>
           <a:p>
             <a:r>
-              <a:rPr lang="ko-KR" altLang="en-US" smtClean="0"/>
+              <a:rPr lang="ko-KR" altLang="en-US"/>
               <a:t>마스터 제목 스타일 편집</a:t>
             </a:r>
-            <a:endParaRPr lang="ko-KR" altLang="en-US"/>
           </a:p>
         </p:txBody>
       </p:sp>
@@ -1508,7 +1513,7 @@
           <a:p>
             <a:pPr lvl="0"/>
             <a:r>
-              <a:rPr lang="ko-KR" altLang="en-US" smtClean="0"/>
+              <a:rPr lang="ko-KR" altLang="en-US"/>
               <a:t>마스터 텍스트 스타일을 편집합니다</a:t>
             </a:r>
           </a:p>
@@ -1564,38 +1569,37 @@
           <a:p>
             <a:pPr lvl="0"/>
             <a:r>
-              <a:rPr lang="ko-KR" altLang="en-US" smtClean="0"/>
+              <a:rPr lang="ko-KR" altLang="en-US"/>
               <a:t>마스터 텍스트 스타일을 편집합니다</a:t>
             </a:r>
           </a:p>
           <a:p>
             <a:pPr lvl="1"/>
             <a:r>
-              <a:rPr lang="ko-KR" altLang="en-US" smtClean="0"/>
+              <a:rPr lang="ko-KR" altLang="en-US"/>
               <a:t>둘째 수준</a:t>
             </a:r>
           </a:p>
           <a:p>
             <a:pPr lvl="2"/>
             <a:r>
-              <a:rPr lang="ko-KR" altLang="en-US" smtClean="0"/>
+              <a:rPr lang="ko-KR" altLang="en-US"/>
               <a:t>셋째 수준</a:t>
             </a:r>
           </a:p>
           <a:p>
             <a:pPr lvl="3"/>
             <a:r>
-              <a:rPr lang="ko-KR" altLang="en-US" smtClean="0"/>
+              <a:rPr lang="ko-KR" altLang="en-US"/>
               <a:t>넷째 수준</a:t>
             </a:r>
           </a:p>
           <a:p>
             <a:pPr lvl="4"/>
             <a:r>
-              <a:rPr lang="ko-KR" altLang="en-US" smtClean="0"/>
+              <a:rPr lang="ko-KR" altLang="en-US"/>
               <a:t>다섯째 수준</a:t>
             </a:r>
-            <a:endParaRPr lang="ko-KR" altLang="en-US"/>
           </a:p>
         </p:txBody>
       </p:sp>
@@ -1658,7 +1662,7 @@
           <a:p>
             <a:pPr lvl="0"/>
             <a:r>
-              <a:rPr lang="ko-KR" altLang="en-US" smtClean="0"/>
+              <a:rPr lang="ko-KR" altLang="en-US"/>
               <a:t>마스터 텍스트 스타일을 편집합니다</a:t>
             </a:r>
           </a:p>
@@ -1714,38 +1718,37 @@
           <a:p>
             <a:pPr lvl="0"/>
             <a:r>
-              <a:rPr lang="ko-KR" altLang="en-US" smtClean="0"/>
+              <a:rPr lang="ko-KR" altLang="en-US"/>
               <a:t>마스터 텍스트 스타일을 편집합니다</a:t>
             </a:r>
           </a:p>
           <a:p>
             <a:pPr lvl="1"/>
             <a:r>
-              <a:rPr lang="ko-KR" altLang="en-US" smtClean="0"/>
+              <a:rPr lang="ko-KR" altLang="en-US"/>
               <a:t>둘째 수준</a:t>
             </a:r>
           </a:p>
           <a:p>
             <a:pPr lvl="2"/>
             <a:r>
-              <a:rPr lang="ko-KR" altLang="en-US" smtClean="0"/>
+              <a:rPr lang="ko-KR" altLang="en-US"/>
               <a:t>셋째 수준</a:t>
             </a:r>
           </a:p>
           <a:p>
             <a:pPr lvl="3"/>
             <a:r>
-              <a:rPr lang="ko-KR" altLang="en-US" smtClean="0"/>
+              <a:rPr lang="ko-KR" altLang="en-US"/>
               <a:t>넷째 수준</a:t>
             </a:r>
           </a:p>
           <a:p>
             <a:pPr lvl="4"/>
             <a:r>
-              <a:rPr lang="ko-KR" altLang="en-US" smtClean="0"/>
+              <a:rPr lang="ko-KR" altLang="en-US"/>
               <a:t>다섯째 수준</a:t>
             </a:r>
-            <a:endParaRPr lang="ko-KR" altLang="en-US"/>
           </a:p>
         </p:txBody>
       </p:sp>
@@ -1766,7 +1769,7 @@
           <a:p>
             <a:fld id="{BDA21957-72B6-46B2-9BA5-4A1C77D2A252}" type="datetimeFigureOut">
               <a:rPr lang="ko-KR" altLang="en-US" smtClean="0"/>
-              <a:t>2021-12-21</a:t>
+              <a:t>2023-05-13</a:t>
             </a:fld>
             <a:endParaRPr lang="ko-KR" altLang="en-US"/>
           </a:p>
@@ -1860,10 +1863,9 @@
           <a:lstStyle/>
           <a:p>
             <a:r>
-              <a:rPr lang="ko-KR" altLang="en-US" smtClean="0"/>
+              <a:rPr lang="ko-KR" altLang="en-US"/>
               <a:t>마스터 제목 스타일 편집</a:t>
             </a:r>
-            <a:endParaRPr lang="ko-KR" altLang="en-US"/>
           </a:p>
         </p:txBody>
       </p:sp>
@@ -1884,7 +1886,7 @@
           <a:p>
             <a:fld id="{BDA21957-72B6-46B2-9BA5-4A1C77D2A252}" type="datetimeFigureOut">
               <a:rPr lang="ko-KR" altLang="en-US" smtClean="0"/>
-              <a:t>2021-12-21</a:t>
+              <a:t>2023-05-13</a:t>
             </a:fld>
             <a:endParaRPr lang="ko-KR" altLang="en-US"/>
           </a:p>
@@ -1979,7 +1981,7 @@
           <a:p>
             <a:fld id="{BDA21957-72B6-46B2-9BA5-4A1C77D2A252}" type="datetimeFigureOut">
               <a:rPr lang="ko-KR" altLang="en-US" smtClean="0"/>
-              <a:t>2021-12-21</a:t>
+              <a:t>2023-05-13</a:t>
             </a:fld>
             <a:endParaRPr lang="ko-KR" altLang="en-US"/>
           </a:p>
@@ -2082,10 +2084,9 @@
           </a:lstStyle>
           <a:p>
             <a:r>
-              <a:rPr lang="ko-KR" altLang="en-US" smtClean="0"/>
+              <a:rPr lang="ko-KR" altLang="en-US"/>
               <a:t>마스터 제목 스타일 편집</a:t>
             </a:r>
-            <a:endParaRPr lang="ko-KR" altLang="en-US"/>
           </a:p>
         </p:txBody>
       </p:sp>
@@ -2139,38 +2140,37 @@
           <a:p>
             <a:pPr lvl="0"/>
             <a:r>
-              <a:rPr lang="ko-KR" altLang="en-US" smtClean="0"/>
+              <a:rPr lang="ko-KR" altLang="en-US"/>
               <a:t>마스터 텍스트 스타일을 편집합니다</a:t>
             </a:r>
           </a:p>
           <a:p>
             <a:pPr lvl="1"/>
             <a:r>
-              <a:rPr lang="ko-KR" altLang="en-US" smtClean="0"/>
+              <a:rPr lang="ko-KR" altLang="en-US"/>
               <a:t>둘째 수준</a:t>
             </a:r>
           </a:p>
           <a:p>
             <a:pPr lvl="2"/>
             <a:r>
-              <a:rPr lang="ko-KR" altLang="en-US" smtClean="0"/>
+              <a:rPr lang="ko-KR" altLang="en-US"/>
               <a:t>셋째 수준</a:t>
             </a:r>
           </a:p>
           <a:p>
             <a:pPr lvl="3"/>
             <a:r>
-              <a:rPr lang="ko-KR" altLang="en-US" smtClean="0"/>
+              <a:rPr lang="ko-KR" altLang="en-US"/>
               <a:t>넷째 수준</a:t>
             </a:r>
           </a:p>
           <a:p>
             <a:pPr lvl="4"/>
             <a:r>
-              <a:rPr lang="ko-KR" altLang="en-US" smtClean="0"/>
+              <a:rPr lang="ko-KR" altLang="en-US"/>
               <a:t>다섯째 수준</a:t>
             </a:r>
-            <a:endParaRPr lang="ko-KR" altLang="en-US"/>
           </a:p>
         </p:txBody>
       </p:sp>
@@ -2233,7 +2233,7 @@
           <a:p>
             <a:pPr lvl="0"/>
             <a:r>
-              <a:rPr lang="ko-KR" altLang="en-US" smtClean="0"/>
+              <a:rPr lang="ko-KR" altLang="en-US"/>
               <a:t>마스터 텍스트 스타일을 편집합니다</a:t>
             </a:r>
           </a:p>
@@ -2256,7 +2256,7 @@
           <a:p>
             <a:fld id="{BDA21957-72B6-46B2-9BA5-4A1C77D2A252}" type="datetimeFigureOut">
               <a:rPr lang="ko-KR" altLang="en-US" smtClean="0"/>
-              <a:t>2021-12-21</a:t>
+              <a:t>2023-05-13</a:t>
             </a:fld>
             <a:endParaRPr lang="ko-KR" altLang="en-US"/>
           </a:p>
@@ -2359,10 +2359,9 @@
           </a:lstStyle>
           <a:p>
             <a:r>
-              <a:rPr lang="ko-KR" altLang="en-US" smtClean="0"/>
+              <a:rPr lang="ko-KR" altLang="en-US"/>
               <a:t>마스터 제목 스타일 편집</a:t>
             </a:r>
-            <a:endParaRPr lang="ko-KR" altLang="en-US"/>
           </a:p>
         </p:txBody>
       </p:sp>
@@ -2486,7 +2485,7 @@
           <a:p>
             <a:pPr lvl="0"/>
             <a:r>
-              <a:rPr lang="ko-KR" altLang="en-US" smtClean="0"/>
+              <a:rPr lang="ko-KR" altLang="en-US"/>
               <a:t>마스터 텍스트 스타일을 편집합니다</a:t>
             </a:r>
           </a:p>
@@ -2509,7 +2508,7 @@
           <a:p>
             <a:fld id="{BDA21957-72B6-46B2-9BA5-4A1C77D2A252}" type="datetimeFigureOut">
               <a:rPr lang="ko-KR" altLang="en-US" smtClean="0"/>
-              <a:t>2021-12-21</a:t>
+              <a:t>2023-05-13</a:t>
             </a:fld>
             <a:endParaRPr lang="ko-KR" altLang="en-US"/>
           </a:p>
@@ -2618,10 +2617,9 @@
           <a:lstStyle/>
           <a:p>
             <a:r>
-              <a:rPr lang="ko-KR" altLang="en-US" smtClean="0"/>
+              <a:rPr lang="ko-KR" altLang="en-US"/>
               <a:t>마스터 제목 스타일 편집</a:t>
             </a:r>
-            <a:endParaRPr lang="ko-KR" altLang="en-US"/>
           </a:p>
         </p:txBody>
       </p:sp>
@@ -2652,38 +2650,37 @@
           <a:p>
             <a:pPr lvl="0"/>
             <a:r>
-              <a:rPr lang="ko-KR" altLang="en-US" smtClean="0"/>
+              <a:rPr lang="ko-KR" altLang="en-US"/>
               <a:t>마스터 텍스트 스타일을 편집합니다</a:t>
             </a:r>
           </a:p>
           <a:p>
             <a:pPr lvl="1"/>
             <a:r>
-              <a:rPr lang="ko-KR" altLang="en-US" smtClean="0"/>
+              <a:rPr lang="ko-KR" altLang="en-US"/>
               <a:t>둘째 수준</a:t>
             </a:r>
           </a:p>
           <a:p>
             <a:pPr lvl="2"/>
             <a:r>
-              <a:rPr lang="ko-KR" altLang="en-US" smtClean="0"/>
+              <a:rPr lang="ko-KR" altLang="en-US"/>
               <a:t>셋째 수준</a:t>
             </a:r>
           </a:p>
           <a:p>
             <a:pPr lvl="3"/>
             <a:r>
-              <a:rPr lang="ko-KR" altLang="en-US" smtClean="0"/>
+              <a:rPr lang="ko-KR" altLang="en-US"/>
               <a:t>넷째 수준</a:t>
             </a:r>
           </a:p>
           <a:p>
             <a:pPr lvl="4"/>
             <a:r>
-              <a:rPr lang="ko-KR" altLang="en-US" smtClean="0"/>
+              <a:rPr lang="ko-KR" altLang="en-US"/>
               <a:t>다섯째 수준</a:t>
             </a:r>
-            <a:endParaRPr lang="ko-KR" altLang="en-US"/>
           </a:p>
         </p:txBody>
       </p:sp>
@@ -2722,7 +2719,7 @@
           <a:p>
             <a:fld id="{BDA21957-72B6-46B2-9BA5-4A1C77D2A252}" type="datetimeFigureOut">
               <a:rPr lang="ko-KR" altLang="en-US" smtClean="0"/>
-              <a:t>2021-12-21</a:t>
+              <a:t>2023-05-13</a:t>
             </a:fld>
             <a:endParaRPr lang="ko-KR" altLang="en-US"/>
           </a:p>
@@ -5175,7 +5172,7 @@
           <a:p>
             <a:pPr algn="ctr"/>
             <a:r>
-              <a:rPr lang="en-US" altLang="ko-KR" b="1" dirty="0" smtClean="0">
+              <a:rPr lang="en-US" altLang="ko-KR" b="1" dirty="0">
                 <a:solidFill>
                   <a:schemeClr val="tx2"/>
                 </a:solidFill>
@@ -5183,14 +5180,14 @@
               <a:t>±90</a:t>
             </a:r>
             <a:r>
-              <a:rPr lang="ko-KR" altLang="en-US" b="1" dirty="0" smtClean="0">
+              <a:rPr lang="ko-KR" altLang="en-US" b="1" dirty="0">
                 <a:solidFill>
                   <a:schemeClr val="tx2"/>
                 </a:solidFill>
               </a:rPr>
               <a:t>도 이하인</a:t>
             </a:r>
-            <a:endParaRPr lang="en-US" altLang="ko-KR" b="1" dirty="0" smtClean="0">
+            <a:endParaRPr lang="en-US" altLang="ko-KR" b="1" dirty="0">
               <a:solidFill>
                 <a:schemeClr val="tx2"/>
               </a:solidFill>
@@ -5199,18 +5196,13 @@
           <a:p>
             <a:pPr algn="ctr"/>
             <a:r>
-              <a:rPr lang="ko-KR" altLang="en-US" b="1" dirty="0" smtClean="0">
+              <a:rPr lang="ko-KR" altLang="en-US" b="1" dirty="0">
                 <a:solidFill>
                   <a:schemeClr val="tx2"/>
                 </a:solidFill>
               </a:rPr>
               <a:t>반 평면</a:t>
             </a:r>
-            <a:endParaRPr lang="ko-KR" altLang="en-US" b="1" dirty="0">
-              <a:solidFill>
-                <a:schemeClr val="tx2"/>
-              </a:solidFill>
-            </a:endParaRPr>
           </a:p>
         </p:txBody>
       </p:sp>
@@ -5251,7 +5243,7 @@
           <a:p>
             <a:pPr algn="ctr"/>
             <a:r>
-              <a:rPr lang="en-US" altLang="ko-KR" b="1" dirty="0" smtClean="0">
+              <a:rPr lang="en-US" altLang="ko-KR" b="1" dirty="0">
                 <a:solidFill>
                   <a:schemeClr val="accent2"/>
                 </a:solidFill>
@@ -5259,14 +5251,14 @@
               <a:t>±90</a:t>
             </a:r>
             <a:r>
-              <a:rPr lang="ko-KR" altLang="en-US" b="1" dirty="0" smtClean="0">
+              <a:rPr lang="ko-KR" altLang="en-US" b="1" dirty="0">
                 <a:solidFill>
                   <a:schemeClr val="accent2"/>
                 </a:solidFill>
               </a:rPr>
               <a:t>도 이상인</a:t>
             </a:r>
-            <a:endParaRPr lang="en-US" altLang="ko-KR" b="1" dirty="0" smtClean="0">
+            <a:endParaRPr lang="en-US" altLang="ko-KR" b="1" dirty="0">
               <a:solidFill>
                 <a:schemeClr val="accent2"/>
               </a:solidFill>
@@ -5275,18 +5267,13 @@
           <a:p>
             <a:pPr algn="ctr"/>
             <a:r>
-              <a:rPr lang="ko-KR" altLang="en-US" b="1" dirty="0" smtClean="0">
+              <a:rPr lang="ko-KR" altLang="en-US" b="1" dirty="0">
                 <a:solidFill>
                   <a:schemeClr val="accent2"/>
                 </a:solidFill>
               </a:rPr>
               <a:t>반 평면</a:t>
             </a:r>
-            <a:endParaRPr lang="ko-KR" altLang="en-US" b="1" dirty="0">
-              <a:solidFill>
-                <a:schemeClr val="accent2"/>
-              </a:solidFill>
-            </a:endParaRPr>
           </a:p>
         </p:txBody>
       </p:sp>
@@ -5304,6 +5291,907 @@
 </file>
 
 <file path=ppt/slides/slide3.xml><?xml version="1.0" encoding="utf-8"?>
+<p:sld xmlns:a="http://schemas.openxmlformats.org/drawingml/2006/main" xmlns:r="http://schemas.openxmlformats.org/officeDocument/2006/relationships" xmlns:p="http://schemas.openxmlformats.org/presentationml/2006/main">
+  <p:cSld>
+    <p:spTree>
+      <p:nvGrpSpPr>
+        <p:cNvPr id="1" name=""/>
+        <p:cNvGrpSpPr/>
+        <p:nvPr/>
+      </p:nvGrpSpPr>
+      <p:grpSpPr>
+        <a:xfrm>
+          <a:off x="0" y="0"/>
+          <a:ext cx="0" cy="0"/>
+          <a:chOff x="0" y="0"/>
+          <a:chExt cx="0" cy="0"/>
+        </a:xfrm>
+      </p:grpSpPr>
+      <p:sp>
+        <p:nvSpPr>
+          <p:cNvPr id="52" name="자유형 51"/>
+          <p:cNvSpPr/>
+          <p:nvPr/>
+        </p:nvSpPr>
+        <p:spPr>
+          <a:xfrm flipH="1" flipV="1">
+            <a:off x="1475656" y="1470660"/>
+            <a:ext cx="3726180" cy="4114800"/>
+          </a:xfrm>
+          <a:custGeom>
+            <a:avLst/>
+            <a:gdLst>
+              <a:gd name="connsiteX0" fmla="*/ 0 w 3726180"/>
+              <a:gd name="connsiteY0" fmla="*/ 7620 h 4114800"/>
+              <a:gd name="connsiteX1" fmla="*/ 2446020 w 3726180"/>
+              <a:gd name="connsiteY1" fmla="*/ 4114800 h 4114800"/>
+              <a:gd name="connsiteX2" fmla="*/ 3726180 w 3726180"/>
+              <a:gd name="connsiteY2" fmla="*/ 4114800 h 4114800"/>
+              <a:gd name="connsiteX3" fmla="*/ 3726180 w 3726180"/>
+              <a:gd name="connsiteY3" fmla="*/ 0 h 4114800"/>
+              <a:gd name="connsiteX4" fmla="*/ 0 w 3726180"/>
+              <a:gd name="connsiteY4" fmla="*/ 7620 h 4114800"/>
+            </a:gdLst>
+            <a:ahLst/>
+            <a:cxnLst>
+              <a:cxn ang="0">
+                <a:pos x="connsiteX0" y="connsiteY0"/>
+              </a:cxn>
+              <a:cxn ang="0">
+                <a:pos x="connsiteX1" y="connsiteY1"/>
+              </a:cxn>
+              <a:cxn ang="0">
+                <a:pos x="connsiteX2" y="connsiteY2"/>
+              </a:cxn>
+              <a:cxn ang="0">
+                <a:pos x="connsiteX3" y="connsiteY3"/>
+              </a:cxn>
+              <a:cxn ang="0">
+                <a:pos x="connsiteX4" y="connsiteY4"/>
+              </a:cxn>
+            </a:cxnLst>
+            <a:rect l="l" t="t" r="r" b="b"/>
+            <a:pathLst>
+              <a:path w="3726180" h="4114800">
+                <a:moveTo>
+                  <a:pt x="0" y="7620"/>
+                </a:moveTo>
+                <a:lnTo>
+                  <a:pt x="2446020" y="4114800"/>
+                </a:lnTo>
+                <a:lnTo>
+                  <a:pt x="3726180" y="4114800"/>
+                </a:lnTo>
+                <a:lnTo>
+                  <a:pt x="3726180" y="0"/>
+                </a:lnTo>
+                <a:lnTo>
+                  <a:pt x="0" y="7620"/>
+                </a:lnTo>
+                <a:close/>
+              </a:path>
+            </a:pathLst>
+          </a:custGeom>
+          <a:pattFill prst="wdUpDiag">
+            <a:fgClr>
+              <a:schemeClr val="accent2">
+                <a:lumMod val="20000"/>
+                <a:lumOff val="80000"/>
+              </a:schemeClr>
+            </a:fgClr>
+            <a:bgClr>
+              <a:schemeClr val="bg1"/>
+            </a:bgClr>
+          </a:pattFill>
+          <a:ln>
+            <a:noFill/>
+          </a:ln>
+        </p:spPr>
+        <p:style>
+          <a:lnRef idx="2">
+            <a:schemeClr val="accent1">
+              <a:shade val="50000"/>
+            </a:schemeClr>
+          </a:lnRef>
+          <a:fillRef idx="1">
+            <a:schemeClr val="accent1"/>
+          </a:fillRef>
+          <a:effectRef idx="0">
+            <a:schemeClr val="accent1"/>
+          </a:effectRef>
+          <a:fontRef idx="minor">
+            <a:schemeClr val="lt1"/>
+          </a:fontRef>
+        </p:style>
+        <p:txBody>
+          <a:bodyPr rtlCol="0" anchor="ctr"/>
+          <a:lstStyle/>
+          <a:p>
+            <a:pPr algn="ctr"/>
+            <a:endParaRPr lang="ko-KR" altLang="en-US"/>
+          </a:p>
+        </p:txBody>
+      </p:sp>
+      <p:sp>
+        <p:nvSpPr>
+          <p:cNvPr id="48" name="자유형 47"/>
+          <p:cNvSpPr/>
+          <p:nvPr/>
+        </p:nvSpPr>
+        <p:spPr>
+          <a:xfrm>
+            <a:off x="2491740" y="1470660"/>
+            <a:ext cx="3726180" cy="4114800"/>
+          </a:xfrm>
+          <a:custGeom>
+            <a:avLst/>
+            <a:gdLst>
+              <a:gd name="connsiteX0" fmla="*/ 0 w 3726180"/>
+              <a:gd name="connsiteY0" fmla="*/ 7620 h 4114800"/>
+              <a:gd name="connsiteX1" fmla="*/ 2446020 w 3726180"/>
+              <a:gd name="connsiteY1" fmla="*/ 4114800 h 4114800"/>
+              <a:gd name="connsiteX2" fmla="*/ 3726180 w 3726180"/>
+              <a:gd name="connsiteY2" fmla="*/ 4114800 h 4114800"/>
+              <a:gd name="connsiteX3" fmla="*/ 3726180 w 3726180"/>
+              <a:gd name="connsiteY3" fmla="*/ 0 h 4114800"/>
+              <a:gd name="connsiteX4" fmla="*/ 0 w 3726180"/>
+              <a:gd name="connsiteY4" fmla="*/ 7620 h 4114800"/>
+            </a:gdLst>
+            <a:ahLst/>
+            <a:cxnLst>
+              <a:cxn ang="0">
+                <a:pos x="connsiteX0" y="connsiteY0"/>
+              </a:cxn>
+              <a:cxn ang="0">
+                <a:pos x="connsiteX1" y="connsiteY1"/>
+              </a:cxn>
+              <a:cxn ang="0">
+                <a:pos x="connsiteX2" y="connsiteY2"/>
+              </a:cxn>
+              <a:cxn ang="0">
+                <a:pos x="connsiteX3" y="connsiteY3"/>
+              </a:cxn>
+              <a:cxn ang="0">
+                <a:pos x="connsiteX4" y="connsiteY4"/>
+              </a:cxn>
+            </a:cxnLst>
+            <a:rect l="l" t="t" r="r" b="b"/>
+            <a:pathLst>
+              <a:path w="3726180" h="4114800">
+                <a:moveTo>
+                  <a:pt x="0" y="7620"/>
+                </a:moveTo>
+                <a:lnTo>
+                  <a:pt x="2446020" y="4114800"/>
+                </a:lnTo>
+                <a:lnTo>
+                  <a:pt x="3726180" y="4114800"/>
+                </a:lnTo>
+                <a:lnTo>
+                  <a:pt x="3726180" y="0"/>
+                </a:lnTo>
+                <a:lnTo>
+                  <a:pt x="0" y="7620"/>
+                </a:lnTo>
+                <a:close/>
+              </a:path>
+            </a:pathLst>
+          </a:custGeom>
+          <a:pattFill prst="wdUpDiag">
+            <a:fgClr>
+              <a:schemeClr val="accent1">
+                <a:lumMod val="20000"/>
+                <a:lumOff val="80000"/>
+              </a:schemeClr>
+            </a:fgClr>
+            <a:bgClr>
+              <a:schemeClr val="bg1"/>
+            </a:bgClr>
+          </a:pattFill>
+          <a:ln>
+            <a:noFill/>
+          </a:ln>
+        </p:spPr>
+        <p:style>
+          <a:lnRef idx="2">
+            <a:schemeClr val="accent1">
+              <a:shade val="50000"/>
+            </a:schemeClr>
+          </a:lnRef>
+          <a:fillRef idx="1">
+            <a:schemeClr val="accent1"/>
+          </a:fillRef>
+          <a:effectRef idx="0">
+            <a:schemeClr val="accent1"/>
+          </a:effectRef>
+          <a:fontRef idx="minor">
+            <a:schemeClr val="lt1"/>
+          </a:fontRef>
+        </p:style>
+        <p:txBody>
+          <a:bodyPr rtlCol="0" anchor="ctr"/>
+          <a:lstStyle/>
+          <a:p>
+            <a:pPr algn="ctr"/>
+            <a:endParaRPr lang="ko-KR" altLang="en-US"/>
+          </a:p>
+        </p:txBody>
+      </p:sp>
+      <p:cxnSp>
+        <p:nvCxnSpPr>
+          <p:cNvPr id="5" name="직선 화살표 연결선 4"/>
+          <p:cNvCxnSpPr/>
+          <p:nvPr/>
+        </p:nvCxnSpPr>
+        <p:spPr>
+          <a:xfrm flipH="1" flipV="1">
+            <a:off x="2483768" y="1484784"/>
+            <a:ext cx="2448272" cy="4104456"/>
+          </a:xfrm>
+          <a:prstGeom prst="straightConnector1">
+            <a:avLst/>
+          </a:prstGeom>
+          <a:ln w="38100">
+            <a:solidFill>
+              <a:schemeClr val="tx1"/>
+            </a:solidFill>
+            <a:tailEnd type="arrow"/>
+          </a:ln>
+        </p:spPr>
+        <p:style>
+          <a:lnRef idx="1">
+            <a:schemeClr val="accent1"/>
+          </a:lnRef>
+          <a:fillRef idx="0">
+            <a:schemeClr val="accent1"/>
+          </a:fillRef>
+          <a:effectRef idx="0">
+            <a:schemeClr val="accent1"/>
+          </a:effectRef>
+          <a:fontRef idx="minor">
+            <a:schemeClr val="tx1"/>
+          </a:fontRef>
+        </p:style>
+      </p:cxnSp>
+      <p:cxnSp>
+        <p:nvCxnSpPr>
+          <p:cNvPr id="7" name="직선 화살표 연결선 6"/>
+          <p:cNvCxnSpPr/>
+          <p:nvPr/>
+        </p:nvCxnSpPr>
+        <p:spPr>
+          <a:xfrm flipV="1">
+            <a:off x="3821752" y="2501447"/>
+            <a:ext cx="2052228" cy="1224136"/>
+          </a:xfrm>
+          <a:prstGeom prst="straightConnector1">
+            <a:avLst/>
+          </a:prstGeom>
+          <a:ln w="38100">
+            <a:solidFill>
+              <a:schemeClr val="tx1"/>
+            </a:solidFill>
+            <a:tailEnd type="arrow"/>
+          </a:ln>
+        </p:spPr>
+        <p:style>
+          <a:lnRef idx="1">
+            <a:schemeClr val="accent1"/>
+          </a:lnRef>
+          <a:fillRef idx="0">
+            <a:schemeClr val="accent1"/>
+          </a:fillRef>
+          <a:effectRef idx="0">
+            <a:schemeClr val="accent1"/>
+          </a:effectRef>
+          <a:fontRef idx="minor">
+            <a:schemeClr val="tx1"/>
+          </a:fontRef>
+        </p:style>
+      </p:cxnSp>
+      <p:cxnSp>
+        <p:nvCxnSpPr>
+          <p:cNvPr id="9" name="직선 화살표 연결선 8"/>
+          <p:cNvCxnSpPr/>
+          <p:nvPr/>
+        </p:nvCxnSpPr>
+        <p:spPr>
+          <a:xfrm rot="-1800000" flipV="1">
+            <a:off x="3372409" y="2070392"/>
+            <a:ext cx="2052228" cy="1224136"/>
+          </a:xfrm>
+          <a:prstGeom prst="straightConnector1">
+            <a:avLst/>
+          </a:prstGeom>
+          <a:ln w="19050">
+            <a:solidFill>
+              <a:schemeClr val="tx1"/>
+            </a:solidFill>
+            <a:prstDash val="dash"/>
+            <a:tailEnd type="arrow"/>
+          </a:ln>
+        </p:spPr>
+        <p:style>
+          <a:lnRef idx="1">
+            <a:schemeClr val="accent1"/>
+          </a:lnRef>
+          <a:fillRef idx="0">
+            <a:schemeClr val="accent1"/>
+          </a:fillRef>
+          <a:effectRef idx="0">
+            <a:schemeClr val="accent1"/>
+          </a:effectRef>
+          <a:fontRef idx="minor">
+            <a:schemeClr val="tx1"/>
+          </a:fontRef>
+        </p:style>
+      </p:cxnSp>
+      <p:cxnSp>
+        <p:nvCxnSpPr>
+          <p:cNvPr id="12" name="직선 화살표 연결선 11"/>
+          <p:cNvCxnSpPr/>
+          <p:nvPr/>
+        </p:nvCxnSpPr>
+        <p:spPr>
+          <a:xfrm flipH="1">
+            <a:off x="1769524" y="3725582"/>
+            <a:ext cx="2052228" cy="1"/>
+          </a:xfrm>
+          <a:prstGeom prst="straightConnector1">
+            <a:avLst/>
+          </a:prstGeom>
+          <a:ln w="19050">
+            <a:solidFill>
+              <a:schemeClr val="tx1"/>
+            </a:solidFill>
+            <a:prstDash val="dash"/>
+            <a:tailEnd type="arrow"/>
+          </a:ln>
+        </p:spPr>
+        <p:style>
+          <a:lnRef idx="1">
+            <a:schemeClr val="accent1"/>
+          </a:lnRef>
+          <a:fillRef idx="0">
+            <a:schemeClr val="accent1"/>
+          </a:fillRef>
+          <a:effectRef idx="0">
+            <a:schemeClr val="accent1"/>
+          </a:effectRef>
+          <a:fontRef idx="minor">
+            <a:schemeClr val="tx1"/>
+          </a:fontRef>
+        </p:style>
+      </p:cxnSp>
+      <mc:AlternateContent xmlns:mc="http://schemas.openxmlformats.org/markup-compatibility/2006" xmlns:a14="http://schemas.microsoft.com/office/drawing/2010/main">
+        <mc:Choice Requires="a14">
+          <p:sp>
+            <p:nvSpPr>
+              <p:cNvPr id="13" name="TextBox 12"/>
+              <p:cNvSpPr txBox="1"/>
+              <p:nvPr/>
+            </p:nvSpPr>
+            <p:spPr>
+              <a:xfrm>
+                <a:off x="1475656" y="1763524"/>
+                <a:ext cx="1271054" cy="369332"/>
+              </a:xfrm>
+              <a:prstGeom prst="rect">
+                <a:avLst/>
+              </a:prstGeom>
+              <a:noFill/>
+            </p:spPr>
+            <p:txBody>
+              <a:bodyPr wrap="none" rtlCol="0">
+                <a:spAutoFit/>
+              </a:bodyPr>
+              <a:lstStyle/>
+              <a:p>
+                <a:pPr/>
+                <a14:m>
+                  <m:oMathPara xmlns:m="http://schemas.openxmlformats.org/officeDocument/2006/math">
+                    <m:oMathParaPr>
+                      <m:jc m:val="centerGroup"/>
+                    </m:oMathParaPr>
+                    <m:oMath xmlns:m="http://schemas.openxmlformats.org/officeDocument/2006/math">
+                      <m:r>
+                        <a:rPr lang="en-US" altLang="ko-KR" b="0" i="1" smtClean="0">
+                          <a:latin typeface="Cambria Math"/>
+                        </a:rPr>
+                        <m:t>𝑥</m:t>
+                      </m:r>
+                      <m:r>
+                        <a:rPr lang="en-US" altLang="ko-KR" b="0" i="1" smtClean="0">
+                          <a:latin typeface="Cambria Math"/>
+                        </a:rPr>
+                        <m:t>⋅</m:t>
+                      </m:r>
+                      <m:r>
+                        <a:rPr lang="en-US" altLang="ko-KR" b="0" i="1" smtClean="0">
+                          <a:latin typeface="Cambria Math"/>
+                        </a:rPr>
+                        <m:t>𝐴𝑥</m:t>
+                      </m:r>
+                      <m:r>
+                        <a:rPr lang="en-US" altLang="ko-KR" b="0" i="1" smtClean="0">
+                          <a:latin typeface="Cambria Math"/>
+                        </a:rPr>
+                        <m:t>=0</m:t>
+                      </m:r>
+                    </m:oMath>
+                  </m:oMathPara>
+                </a14:m>
+                <a:endParaRPr lang="ko-KR" altLang="en-US" dirty="0"/>
+              </a:p>
+            </p:txBody>
+          </p:sp>
+        </mc:Choice>
+        <mc:Fallback xmlns="">
+          <p:sp>
+            <p:nvSpPr>
+              <p:cNvPr id="13" name="TextBox 12"/>
+              <p:cNvSpPr txBox="1">
+                <a:spLocks noRot="1" noChangeAspect="1" noMove="1" noResize="1" noEditPoints="1" noAdjustHandles="1" noChangeArrowheads="1" noChangeShapeType="1" noTextEdit="1"/>
+              </p:cNvSpPr>
+              <p:nvPr/>
+            </p:nvSpPr>
+            <p:spPr>
+              <a:xfrm>
+                <a:off x="1475656" y="1763524"/>
+                <a:ext cx="1271054" cy="369332"/>
+              </a:xfrm>
+              <a:prstGeom prst="rect">
+                <a:avLst/>
+              </a:prstGeom>
+              <a:blipFill rotWithShape="1">
+                <a:blip r:embed="rId2"/>
+                <a:stretch>
+                  <a:fillRect/>
+                </a:stretch>
+              </a:blipFill>
+            </p:spPr>
+            <p:txBody>
+              <a:bodyPr/>
+              <a:lstStyle/>
+              <a:p>
+                <a:r>
+                  <a:rPr lang="ko-KR" altLang="en-US">
+                    <a:noFill/>
+                  </a:rPr>
+                  <a:t> </a:t>
+                </a:r>
+              </a:p>
+            </p:txBody>
+          </p:sp>
+        </mc:Fallback>
+      </mc:AlternateContent>
+      <mc:AlternateContent xmlns:mc="http://schemas.openxmlformats.org/markup-compatibility/2006" xmlns:a14="http://schemas.microsoft.com/office/drawing/2010/main">
+        <mc:Choice Requires="a14">
+          <p:sp>
+            <p:nvSpPr>
+              <p:cNvPr id="15" name="TextBox 14"/>
+              <p:cNvSpPr txBox="1"/>
+              <p:nvPr/>
+            </p:nvSpPr>
+            <p:spPr>
+              <a:xfrm>
+                <a:off x="3635896" y="1486326"/>
+                <a:ext cx="1271054" cy="369332"/>
+              </a:xfrm>
+              <a:prstGeom prst="rect">
+                <a:avLst/>
+              </a:prstGeom>
+              <a:noFill/>
+            </p:spPr>
+            <p:txBody>
+              <a:bodyPr wrap="none" rtlCol="0">
+                <a:spAutoFit/>
+              </a:bodyPr>
+              <a:lstStyle/>
+              <a:p>
+                <a:pPr/>
+                <a14:m>
+                  <m:oMathPara xmlns:m="http://schemas.openxmlformats.org/officeDocument/2006/math">
+                    <m:oMathParaPr>
+                      <m:jc m:val="centerGroup"/>
+                    </m:oMathParaPr>
+                    <m:oMath xmlns:m="http://schemas.openxmlformats.org/officeDocument/2006/math">
+                      <m:r>
+                        <a:rPr lang="en-US" altLang="ko-KR" b="0" i="1" smtClean="0">
+                          <a:latin typeface="Cambria Math"/>
+                        </a:rPr>
+                        <m:t>𝑥</m:t>
+                      </m:r>
+                      <m:r>
+                        <a:rPr lang="en-US" altLang="ko-KR" b="0" i="1" smtClean="0">
+                          <a:latin typeface="Cambria Math"/>
+                        </a:rPr>
+                        <m:t>⋅</m:t>
+                      </m:r>
+                      <m:r>
+                        <a:rPr lang="en-US" altLang="ko-KR" b="0" i="1" smtClean="0">
+                          <a:latin typeface="Cambria Math"/>
+                        </a:rPr>
+                        <m:t>𝐴𝑥</m:t>
+                      </m:r>
+                      <m:r>
+                        <a:rPr lang="en-US" altLang="ko-KR" b="0" i="1" smtClean="0">
+                          <a:latin typeface="Cambria Math"/>
+                        </a:rPr>
+                        <m:t>&gt;0</m:t>
+                      </m:r>
+                    </m:oMath>
+                  </m:oMathPara>
+                </a14:m>
+                <a:endParaRPr lang="ko-KR" altLang="en-US" dirty="0"/>
+              </a:p>
+            </p:txBody>
+          </p:sp>
+        </mc:Choice>
+        <mc:Fallback xmlns="">
+          <p:sp>
+            <p:nvSpPr>
+              <p:cNvPr id="15" name="TextBox 14"/>
+              <p:cNvSpPr txBox="1">
+                <a:spLocks noRot="1" noChangeAspect="1" noMove="1" noResize="1" noEditPoints="1" noAdjustHandles="1" noChangeArrowheads="1" noChangeShapeType="1" noTextEdit="1"/>
+              </p:cNvSpPr>
+              <p:nvPr/>
+            </p:nvSpPr>
+            <p:spPr>
+              <a:xfrm>
+                <a:off x="3635896" y="1486326"/>
+                <a:ext cx="1271054" cy="369332"/>
+              </a:xfrm>
+              <a:prstGeom prst="rect">
+                <a:avLst/>
+              </a:prstGeom>
+              <a:blipFill rotWithShape="1">
+                <a:blip r:embed="rId3"/>
+                <a:stretch>
+                  <a:fillRect/>
+                </a:stretch>
+              </a:blipFill>
+            </p:spPr>
+            <p:txBody>
+              <a:bodyPr/>
+              <a:lstStyle/>
+              <a:p>
+                <a:r>
+                  <a:rPr lang="ko-KR" altLang="en-US">
+                    <a:noFill/>
+                  </a:rPr>
+                  <a:t> </a:t>
+                </a:r>
+              </a:p>
+            </p:txBody>
+          </p:sp>
+        </mc:Fallback>
+      </mc:AlternateContent>
+      <mc:AlternateContent xmlns:mc="http://schemas.openxmlformats.org/markup-compatibility/2006" xmlns:a14="http://schemas.microsoft.com/office/drawing/2010/main">
+        <mc:Choice Requires="a14">
+          <p:sp>
+            <p:nvSpPr>
+              <p:cNvPr id="16" name="TextBox 15"/>
+              <p:cNvSpPr txBox="1"/>
+              <p:nvPr/>
+            </p:nvSpPr>
+            <p:spPr>
+              <a:xfrm>
+                <a:off x="1629216" y="3278695"/>
+                <a:ext cx="1271054" cy="369332"/>
+              </a:xfrm>
+              <a:prstGeom prst="rect">
+                <a:avLst/>
+              </a:prstGeom>
+              <a:noFill/>
+            </p:spPr>
+            <p:txBody>
+              <a:bodyPr wrap="none" rtlCol="0">
+                <a:spAutoFit/>
+              </a:bodyPr>
+              <a:lstStyle/>
+              <a:p>
+                <a:pPr/>
+                <a14:m>
+                  <m:oMathPara xmlns:m="http://schemas.openxmlformats.org/officeDocument/2006/math">
+                    <m:oMathParaPr>
+                      <m:jc m:val="centerGroup"/>
+                    </m:oMathParaPr>
+                    <m:oMath xmlns:m="http://schemas.openxmlformats.org/officeDocument/2006/math">
+                      <m:r>
+                        <a:rPr lang="en-US" altLang="ko-KR" b="0" i="1" smtClean="0">
+                          <a:latin typeface="Cambria Math"/>
+                        </a:rPr>
+                        <m:t>𝑥</m:t>
+                      </m:r>
+                      <m:r>
+                        <a:rPr lang="en-US" altLang="ko-KR" b="0" i="1" smtClean="0">
+                          <a:latin typeface="Cambria Math"/>
+                        </a:rPr>
+                        <m:t>⋅</m:t>
+                      </m:r>
+                      <m:r>
+                        <a:rPr lang="en-US" altLang="ko-KR" b="0" i="1" smtClean="0">
+                          <a:latin typeface="Cambria Math"/>
+                        </a:rPr>
+                        <m:t>𝐴𝑥</m:t>
+                      </m:r>
+                      <m:r>
+                        <a:rPr lang="en-US" altLang="ko-KR" b="0" i="1" smtClean="0">
+                          <a:latin typeface="Cambria Math"/>
+                        </a:rPr>
+                        <m:t>&lt;0</m:t>
+                      </m:r>
+                    </m:oMath>
+                  </m:oMathPara>
+                </a14:m>
+                <a:endParaRPr lang="ko-KR" altLang="en-US" dirty="0"/>
+              </a:p>
+            </p:txBody>
+          </p:sp>
+        </mc:Choice>
+        <mc:Fallback xmlns="">
+          <p:sp>
+            <p:nvSpPr>
+              <p:cNvPr id="16" name="TextBox 15"/>
+              <p:cNvSpPr txBox="1">
+                <a:spLocks noRot="1" noChangeAspect="1" noMove="1" noResize="1" noEditPoints="1" noAdjustHandles="1" noChangeArrowheads="1" noChangeShapeType="1" noTextEdit="1"/>
+              </p:cNvSpPr>
+              <p:nvPr/>
+            </p:nvSpPr>
+            <p:spPr>
+              <a:xfrm>
+                <a:off x="1629216" y="3278695"/>
+                <a:ext cx="1271054" cy="369332"/>
+              </a:xfrm>
+              <a:prstGeom prst="rect">
+                <a:avLst/>
+              </a:prstGeom>
+              <a:blipFill rotWithShape="1">
+                <a:blip r:embed="rId4"/>
+                <a:stretch>
+                  <a:fillRect/>
+                </a:stretch>
+              </a:blipFill>
+            </p:spPr>
+            <p:txBody>
+              <a:bodyPr/>
+              <a:lstStyle/>
+              <a:p>
+                <a:r>
+                  <a:rPr lang="ko-KR" altLang="en-US">
+                    <a:noFill/>
+                  </a:rPr>
+                  <a:t> </a:t>
+                </a:r>
+              </a:p>
+            </p:txBody>
+          </p:sp>
+        </mc:Fallback>
+      </mc:AlternateContent>
+      <mc:AlternateContent xmlns:mc="http://schemas.openxmlformats.org/markup-compatibility/2006" xmlns:a14="http://schemas.microsoft.com/office/drawing/2010/main">
+        <mc:Choice Requires="a14">
+          <p:sp>
+            <p:nvSpPr>
+              <p:cNvPr id="47" name="직사각형 46"/>
+              <p:cNvSpPr/>
+              <p:nvPr/>
+            </p:nvSpPr>
+            <p:spPr>
+              <a:xfrm>
+                <a:off x="5873980" y="2313128"/>
+                <a:ext cx="396839" cy="369332"/>
+              </a:xfrm>
+              <a:prstGeom prst="rect">
+                <a:avLst/>
+              </a:prstGeom>
+            </p:spPr>
+            <p:txBody>
+              <a:bodyPr wrap="none">
+                <a:spAutoFit/>
+              </a:bodyPr>
+              <a:lstStyle/>
+              <a:p>
+                <a:pPr/>
+                <a14:m>
+                  <m:oMathPara xmlns:m="http://schemas.openxmlformats.org/officeDocument/2006/math">
+                    <m:oMathParaPr>
+                      <m:jc m:val="centerGroup"/>
+                    </m:oMathParaPr>
+                    <m:oMath xmlns:m="http://schemas.openxmlformats.org/officeDocument/2006/math">
+                      <m:r>
+                        <a:rPr lang="en-US" altLang="ko-KR" b="0" i="1" smtClean="0">
+                          <a:latin typeface="Cambria Math"/>
+                        </a:rPr>
+                        <m:t>𝑥</m:t>
+                      </m:r>
+                    </m:oMath>
+                  </m:oMathPara>
+                </a14:m>
+                <a:endParaRPr lang="ko-KR" altLang="en-US" dirty="0"/>
+              </a:p>
+            </p:txBody>
+          </p:sp>
+        </mc:Choice>
+        <mc:Fallback xmlns="">
+          <p:sp>
+            <p:nvSpPr>
+              <p:cNvPr id="47" name="직사각형 46"/>
+              <p:cNvSpPr>
+                <a:spLocks noRot="1" noChangeAspect="1" noMove="1" noResize="1" noEditPoints="1" noAdjustHandles="1" noChangeArrowheads="1" noChangeShapeType="1" noTextEdit="1"/>
+              </p:cNvSpPr>
+              <p:nvPr/>
+            </p:nvSpPr>
+            <p:spPr>
+              <a:xfrm>
+                <a:off x="5873980" y="2313128"/>
+                <a:ext cx="396839" cy="369332"/>
+              </a:xfrm>
+              <a:prstGeom prst="rect">
+                <a:avLst/>
+              </a:prstGeom>
+              <a:blipFill rotWithShape="1">
+                <a:blip r:embed="rId5"/>
+                <a:stretch>
+                  <a:fillRect/>
+                </a:stretch>
+              </a:blipFill>
+            </p:spPr>
+            <p:txBody>
+              <a:bodyPr/>
+              <a:lstStyle/>
+              <a:p>
+                <a:r>
+                  <a:rPr lang="ko-KR" altLang="en-US">
+                    <a:noFill/>
+                  </a:rPr>
+                  <a:t> </a:t>
+                </a:r>
+              </a:p>
+            </p:txBody>
+          </p:sp>
+        </mc:Fallback>
+      </mc:AlternateContent>
+      <p:sp>
+        <p:nvSpPr>
+          <p:cNvPr id="50" name="TextBox 49"/>
+          <p:cNvSpPr txBox="1"/>
+          <p:nvPr/>
+        </p:nvSpPr>
+        <p:spPr>
+          <a:xfrm>
+            <a:off x="4202762" y="3573016"/>
+            <a:ext cx="2169438" cy="715089"/>
+          </a:xfrm>
+          <a:prstGeom prst="roundRect">
+            <a:avLst/>
+          </a:prstGeom>
+        </p:spPr>
+        <p:style>
+          <a:lnRef idx="2">
+            <a:schemeClr val="accent1"/>
+          </a:lnRef>
+          <a:fillRef idx="1">
+            <a:schemeClr val="lt1"/>
+          </a:fillRef>
+          <a:effectRef idx="0">
+            <a:schemeClr val="accent1"/>
+          </a:effectRef>
+          <a:fontRef idx="minor">
+            <a:schemeClr val="dk1"/>
+          </a:fontRef>
+        </p:style>
+        <p:txBody>
+          <a:bodyPr wrap="none" rtlCol="0">
+            <a:spAutoFit/>
+          </a:bodyPr>
+          <a:lstStyle/>
+          <a:p>
+            <a:pPr algn="ctr"/>
+            <a:r>
+              <a:rPr lang="en-US" altLang="ko-KR" b="1" dirty="0">
+                <a:solidFill>
+                  <a:schemeClr val="tx2"/>
+                </a:solidFill>
+              </a:rPr>
+              <a:t>half plane below </a:t>
+            </a:r>
+          </a:p>
+          <a:p>
+            <a:pPr algn="ctr"/>
+            <a:r>
+              <a:rPr lang="en-US" altLang="ko-KR" b="1" dirty="0">
+                <a:solidFill>
+                  <a:schemeClr val="tx2"/>
+                </a:solidFill>
+              </a:rPr>
+              <a:t>±90 degrees</a:t>
+            </a:r>
+            <a:endParaRPr lang="ko-KR" altLang="en-US" b="1" dirty="0">
+              <a:solidFill>
+                <a:schemeClr val="tx2"/>
+              </a:solidFill>
+            </a:endParaRPr>
+          </a:p>
+        </p:txBody>
+      </p:sp>
+      <p:sp>
+        <p:nvSpPr>
+          <p:cNvPr id="53" name="TextBox 52"/>
+          <p:cNvSpPr txBox="1"/>
+          <p:nvPr/>
+        </p:nvSpPr>
+        <p:spPr>
+          <a:xfrm>
+            <a:off x="1845820" y="3849432"/>
+            <a:ext cx="1899644" cy="715089"/>
+          </a:xfrm>
+          <a:prstGeom prst="roundRect">
+            <a:avLst/>
+          </a:prstGeom>
+        </p:spPr>
+        <p:style>
+          <a:lnRef idx="2">
+            <a:schemeClr val="accent2"/>
+          </a:lnRef>
+          <a:fillRef idx="1">
+            <a:schemeClr val="lt1"/>
+          </a:fillRef>
+          <a:effectRef idx="0">
+            <a:schemeClr val="accent2"/>
+          </a:effectRef>
+          <a:fontRef idx="minor">
+            <a:schemeClr val="dk1"/>
+          </a:fontRef>
+        </p:style>
+        <p:txBody>
+          <a:bodyPr wrap="none" rtlCol="0">
+            <a:spAutoFit/>
+          </a:bodyPr>
+          <a:lstStyle/>
+          <a:p>
+            <a:pPr algn="ctr"/>
+            <a:r>
+              <a:rPr lang="en-US" altLang="ko-KR" b="1" dirty="0">
+                <a:solidFill>
+                  <a:schemeClr val="accent2"/>
+                </a:solidFill>
+              </a:rPr>
+              <a:t>half plane over</a:t>
+            </a:r>
+          </a:p>
+          <a:p>
+            <a:pPr algn="ctr"/>
+            <a:r>
+              <a:rPr lang="en-US" altLang="ko-KR" b="1" dirty="0">
+                <a:solidFill>
+                  <a:schemeClr val="accent2"/>
+                </a:solidFill>
+              </a:rPr>
+              <a:t>±90 degrees</a:t>
+            </a:r>
+            <a:endParaRPr lang="ko-KR" altLang="en-US" b="1" dirty="0">
+              <a:solidFill>
+                <a:schemeClr val="accent2"/>
+              </a:solidFill>
+            </a:endParaRPr>
+          </a:p>
+        </p:txBody>
+      </p:sp>
+    </p:spTree>
+    <p:extLst>
+      <p:ext uri="{BB962C8B-B14F-4D97-AF65-F5344CB8AC3E}">
+        <p14:creationId xmlns:p14="http://schemas.microsoft.com/office/powerpoint/2010/main" val="1802484134"/>
+      </p:ext>
+    </p:extLst>
+  </p:cSld>
+  <p:clrMapOvr>
+    <a:masterClrMapping/>
+  </p:clrMapOvr>
+</p:sld>
+</file>
+
+<file path=ppt/slides/slide4.xml><?xml version="1.0" encoding="utf-8"?>
 <p:sld xmlns:a="http://schemas.openxmlformats.org/drawingml/2006/main" xmlns:r="http://schemas.openxmlformats.org/officeDocument/2006/relationships" xmlns:p="http://schemas.openxmlformats.org/presentationml/2006/main">
   <p:cSld>
     <p:spTree>
@@ -5467,6 +6355,96 @@
     <p:extLst>
       <p:ext uri="{BB962C8B-B14F-4D97-AF65-F5344CB8AC3E}">
         <p14:creationId xmlns:p14="http://schemas.microsoft.com/office/powerpoint/2010/main" val="2392729965"/>
+      </p:ext>
+    </p:extLst>
+  </p:cSld>
+  <p:clrMapOvr>
+    <a:masterClrMapping/>
+  </p:clrMapOvr>
+</p:sld>
+</file>
+
+<file path=ppt/slides/slide5.xml><?xml version="1.0" encoding="utf-8"?>
+<p:sld xmlns:a="http://schemas.openxmlformats.org/drawingml/2006/main" xmlns:r="http://schemas.openxmlformats.org/officeDocument/2006/relationships" xmlns:p="http://schemas.openxmlformats.org/presentationml/2006/main">
+  <p:cSld>
+    <p:spTree>
+      <p:nvGrpSpPr>
+        <p:cNvPr id="1" name=""/>
+        <p:cNvGrpSpPr/>
+        <p:nvPr/>
+      </p:nvGrpSpPr>
+      <p:grpSpPr>
+        <a:xfrm>
+          <a:off x="0" y="0"/>
+          <a:ext cx="0" cy="0"/>
+          <a:chOff x="0" y="0"/>
+          <a:chExt cx="0" cy="0"/>
+        </a:xfrm>
+      </p:grpSpPr>
+      <p:pic>
+        <p:nvPicPr>
+          <p:cNvPr id="5" name="Picture 4">
+            <a:extLst>
+              <a:ext uri="{FF2B5EF4-FFF2-40B4-BE49-F238E27FC236}">
+                <a16:creationId xmlns:a16="http://schemas.microsoft.com/office/drawing/2014/main" id="{346E62BE-2C9D-6169-E3D6-B158A18C67D8}"/>
+              </a:ext>
+            </a:extLst>
+          </p:cNvPr>
+          <p:cNvPicPr>
+            <a:picLocks noChangeAspect="1"/>
+          </p:cNvPicPr>
+          <p:nvPr/>
+        </p:nvPicPr>
+        <p:blipFill>
+          <a:blip r:embed="rId2"/>
+          <a:stretch>
+            <a:fillRect/>
+          </a:stretch>
+        </p:blipFill>
+        <p:spPr>
+          <a:xfrm>
+            <a:off x="2206167" y="332656"/>
+            <a:ext cx="4731665" cy="2835056"/>
+          </a:xfrm>
+          <a:prstGeom prst="rect">
+            <a:avLst/>
+          </a:prstGeom>
+        </p:spPr>
+      </p:pic>
+      <p:pic>
+        <p:nvPicPr>
+          <p:cNvPr id="7" name="Picture 6">
+            <a:extLst>
+              <a:ext uri="{FF2B5EF4-FFF2-40B4-BE49-F238E27FC236}">
+                <a16:creationId xmlns:a16="http://schemas.microsoft.com/office/drawing/2014/main" id="{62A53491-8E00-DC62-B43E-37E194BA912E}"/>
+              </a:ext>
+            </a:extLst>
+          </p:cNvPr>
+          <p:cNvPicPr>
+            <a:picLocks noChangeAspect="1"/>
+          </p:cNvPicPr>
+          <p:nvPr/>
+        </p:nvPicPr>
+        <p:blipFill>
+          <a:blip r:embed="rId3"/>
+          <a:stretch>
+            <a:fillRect/>
+          </a:stretch>
+        </p:blipFill>
+        <p:spPr>
+          <a:xfrm>
+            <a:off x="2206167" y="3284984"/>
+            <a:ext cx="4731665" cy="2835056"/>
+          </a:xfrm>
+          <a:prstGeom prst="rect">
+            <a:avLst/>
+          </a:prstGeom>
+        </p:spPr>
+      </p:pic>
+    </p:spTree>
+    <p:extLst>
+      <p:ext uri="{BB962C8B-B14F-4D97-AF65-F5344CB8AC3E}">
+        <p14:creationId xmlns:p14="http://schemas.microsoft.com/office/powerpoint/2010/main" val="2660988542"/>
       </p:ext>
     </p:extLst>
   </p:cSld>
